--- a/step/01.01_plan_break_up_string/式の構造.pptx
+++ b/step/01.01_plan_break_up_string/式の構造.pptx
@@ -6,6 +6,8 @@
   </p:sldMasterIdLst>
   <p:sldIdLst>
     <p:sldId id="256" r:id="rId2"/>
+    <p:sldId id="257" r:id="rId3"/>
+    <p:sldId id="258" r:id="rId4"/>
   </p:sldIdLst>
   <p:sldSz cx="12192000" cy="6858000"/>
   <p:notesSz cx="6858000" cy="9144000"/>
@@ -104,6 +106,11 @@
       </a:defRPr>
     </a:lvl9pPr>
   </p:defaultTextStyle>
+  <p:extLst>
+    <p:ext uri="{EFAFB233-063F-42B5-8137-9DF3F51BA10A}">
+      <p15:sldGuideLst xmlns:p15="http://schemas.microsoft.com/office/powerpoint/2012/main"/>
+    </p:ext>
+  </p:extLst>
 </p:presentation>
 </file>
 
@@ -254,7 +261,7 @@
           <a:p>
             <a:fld id="{EC070247-2280-4A68-8B12-19214B36A904}" type="datetimeFigureOut">
               <a:rPr kumimoji="1" lang="ja-JP" altLang="en-US" smtClean="0"/>
-              <a:t>2022/6/16</a:t>
+              <a:t>2022/6/19</a:t>
             </a:fld>
             <a:endParaRPr kumimoji="1" lang="ja-JP" altLang="en-US"/>
           </a:p>
@@ -484,7 +491,7 @@
           <a:p>
             <a:fld id="{EC070247-2280-4A68-8B12-19214B36A904}" type="datetimeFigureOut">
               <a:rPr kumimoji="1" lang="ja-JP" altLang="en-US" smtClean="0"/>
-              <a:t>2022/6/16</a:t>
+              <a:t>2022/6/19</a:t>
             </a:fld>
             <a:endParaRPr kumimoji="1" lang="ja-JP" altLang="en-US"/>
           </a:p>
@@ -724,7 +731,7 @@
           <a:p>
             <a:fld id="{EC070247-2280-4A68-8B12-19214B36A904}" type="datetimeFigureOut">
               <a:rPr kumimoji="1" lang="ja-JP" altLang="en-US" smtClean="0"/>
-              <a:t>2022/6/16</a:t>
+              <a:t>2022/6/19</a:t>
             </a:fld>
             <a:endParaRPr kumimoji="1" lang="ja-JP" altLang="en-US"/>
           </a:p>
@@ -954,7 +961,7 @@
           <a:p>
             <a:fld id="{EC070247-2280-4A68-8B12-19214B36A904}" type="datetimeFigureOut">
               <a:rPr kumimoji="1" lang="ja-JP" altLang="en-US" smtClean="0"/>
-              <a:t>2022/6/16</a:t>
+              <a:t>2022/6/19</a:t>
             </a:fld>
             <a:endParaRPr kumimoji="1" lang="ja-JP" altLang="en-US"/>
           </a:p>
@@ -1229,7 +1236,7 @@
           <a:p>
             <a:fld id="{EC070247-2280-4A68-8B12-19214B36A904}" type="datetimeFigureOut">
               <a:rPr kumimoji="1" lang="ja-JP" altLang="en-US" smtClean="0"/>
-              <a:t>2022/6/16</a:t>
+              <a:t>2022/6/19</a:t>
             </a:fld>
             <a:endParaRPr kumimoji="1" lang="ja-JP" altLang="en-US"/>
           </a:p>
@@ -1558,7 +1565,7 @@
           <a:p>
             <a:fld id="{EC070247-2280-4A68-8B12-19214B36A904}" type="datetimeFigureOut">
               <a:rPr kumimoji="1" lang="ja-JP" altLang="en-US" smtClean="0"/>
-              <a:t>2022/6/16</a:t>
+              <a:t>2022/6/19</a:t>
             </a:fld>
             <a:endParaRPr kumimoji="1" lang="ja-JP" altLang="en-US"/>
           </a:p>
@@ -2034,7 +2041,7 @@
           <a:p>
             <a:fld id="{EC070247-2280-4A68-8B12-19214B36A904}" type="datetimeFigureOut">
               <a:rPr kumimoji="1" lang="ja-JP" altLang="en-US" smtClean="0"/>
-              <a:t>2022/6/16</a:t>
+              <a:t>2022/6/19</a:t>
             </a:fld>
             <a:endParaRPr kumimoji="1" lang="ja-JP" altLang="en-US"/>
           </a:p>
@@ -2175,7 +2182,7 @@
           <a:p>
             <a:fld id="{EC070247-2280-4A68-8B12-19214B36A904}" type="datetimeFigureOut">
               <a:rPr kumimoji="1" lang="ja-JP" altLang="en-US" smtClean="0"/>
-              <a:t>2022/6/16</a:t>
+              <a:t>2022/6/19</a:t>
             </a:fld>
             <a:endParaRPr kumimoji="1" lang="ja-JP" altLang="en-US"/>
           </a:p>
@@ -2288,7 +2295,7 @@
           <a:p>
             <a:fld id="{EC070247-2280-4A68-8B12-19214B36A904}" type="datetimeFigureOut">
               <a:rPr kumimoji="1" lang="ja-JP" altLang="en-US" smtClean="0"/>
-              <a:t>2022/6/16</a:t>
+              <a:t>2022/6/19</a:t>
             </a:fld>
             <a:endParaRPr kumimoji="1" lang="ja-JP" altLang="en-US"/>
           </a:p>
@@ -2631,7 +2638,7 @@
           <a:p>
             <a:fld id="{EC070247-2280-4A68-8B12-19214B36A904}" type="datetimeFigureOut">
               <a:rPr kumimoji="1" lang="ja-JP" altLang="en-US" smtClean="0"/>
-              <a:t>2022/6/16</a:t>
+              <a:t>2022/6/19</a:t>
             </a:fld>
             <a:endParaRPr kumimoji="1" lang="ja-JP" altLang="en-US"/>
           </a:p>
@@ -2919,7 +2926,7 @@
           <a:p>
             <a:fld id="{EC070247-2280-4A68-8B12-19214B36A904}" type="datetimeFigureOut">
               <a:rPr kumimoji="1" lang="ja-JP" altLang="en-US" smtClean="0"/>
-              <a:t>2022/6/16</a:t>
+              <a:t>2022/6/19</a:t>
             </a:fld>
             <a:endParaRPr kumimoji="1" lang="ja-JP" altLang="en-US"/>
           </a:p>
@@ -3192,7 +3199,7 @@
           <a:p>
             <a:fld id="{EC070247-2280-4A68-8B12-19214B36A904}" type="datetimeFigureOut">
               <a:rPr kumimoji="1" lang="ja-JP" altLang="en-US" smtClean="0"/>
-              <a:t>2022/6/16</a:t>
+              <a:t>2022/6/19</a:t>
             </a:fld>
             <a:endParaRPr kumimoji="1" lang="ja-JP" altLang="en-US"/>
           </a:p>
@@ -3623,7 +3630,7 @@
         </p:nvSpPr>
         <p:spPr>
           <a:xfrm>
-            <a:off x="1297858" y="3429000"/>
+            <a:off x="1297858" y="3420533"/>
             <a:ext cx="148508" cy="152400"/>
           </a:xfrm>
           <a:prstGeom prst="ellipse">
@@ -3677,7 +3684,7 @@
         </p:nvSpPr>
         <p:spPr>
           <a:xfrm>
-            <a:off x="6021746" y="3429000"/>
+            <a:off x="6021746" y="3420533"/>
             <a:ext cx="148508" cy="152400"/>
           </a:xfrm>
           <a:prstGeom prst="ellipse">
@@ -3735,7 +3742,7 @@
         </p:nvCxnSpPr>
         <p:spPr>
           <a:xfrm>
-            <a:off x="1446366" y="3505200"/>
+            <a:off x="1446366" y="3496733"/>
             <a:ext cx="1332229" cy="0"/>
           </a:xfrm>
           <a:prstGeom prst="straightConnector1">
@@ -3781,7 +3788,7 @@
         </p:nvCxnSpPr>
         <p:spPr>
           <a:xfrm>
-            <a:off x="4931860" y="3505200"/>
+            <a:off x="4931860" y="3496733"/>
             <a:ext cx="1089886" cy="0"/>
           </a:xfrm>
           <a:prstGeom prst="straightConnector1">
@@ -3827,7 +3834,7 @@
         </p:nvCxnSpPr>
         <p:spPr>
           <a:xfrm flipH="1">
-            <a:off x="4474660" y="3505200"/>
+            <a:off x="4474660" y="3496733"/>
             <a:ext cx="457200" cy="457200"/>
           </a:xfrm>
           <a:prstGeom prst="curvedConnector4">
@@ -3872,7 +3879,7 @@
         </p:nvGrpSpPr>
         <p:grpSpPr>
           <a:xfrm>
-            <a:off x="2778595" y="3048000"/>
+            <a:off x="2778595" y="3039533"/>
             <a:ext cx="2153265" cy="914400"/>
             <a:chOff x="2778595" y="3048000"/>
             <a:chExt cx="2153265" cy="914400"/>
@@ -4017,6 +4024,1634 @@
     <p:extLst>
       <p:ext uri="{BB962C8B-B14F-4D97-AF65-F5344CB8AC3E}">
         <p14:creationId xmlns:p14="http://schemas.microsoft.com/office/powerpoint/2010/main" val="2304394816"/>
+      </p:ext>
+    </p:extLst>
+  </p:cSld>
+  <p:clrMapOvr>
+    <a:masterClrMapping/>
+  </p:clrMapOvr>
+</p:sld>
+</file>
+
+<file path=ppt/slides/slide2.xml><?xml version="1.0" encoding="utf-8"?>
+<p:sld xmlns:a="http://schemas.openxmlformats.org/drawingml/2006/main" xmlns:r="http://schemas.openxmlformats.org/officeDocument/2006/relationships" xmlns:p="http://schemas.openxmlformats.org/presentationml/2006/main">
+  <p:cSld>
+    <p:spTree>
+      <p:nvGrpSpPr>
+        <p:cNvPr id="1" name=""/>
+        <p:cNvGrpSpPr/>
+        <p:nvPr/>
+      </p:nvGrpSpPr>
+      <p:grpSpPr>
+        <a:xfrm>
+          <a:off x="0" y="0"/>
+          <a:ext cx="0" cy="0"/>
+          <a:chOff x="0" y="0"/>
+          <a:chExt cx="0" cy="0"/>
+        </a:xfrm>
+      </p:grpSpPr>
+      <p:sp>
+        <p:nvSpPr>
+          <p:cNvPr id="4" name="楕円 3">
+            <a:extLst>
+              <a:ext uri="{FF2B5EF4-FFF2-40B4-BE49-F238E27FC236}">
+                <a16:creationId xmlns:a16="http://schemas.microsoft.com/office/drawing/2014/main" id="{7BA49D9F-9C2F-9E2A-DEBB-4E0645F8840F}"/>
+              </a:ext>
+            </a:extLst>
+          </p:cNvPr>
+          <p:cNvSpPr/>
+          <p:nvPr/>
+        </p:nvSpPr>
+        <p:spPr>
+          <a:xfrm>
+            <a:off x="1780458" y="2700865"/>
+            <a:ext cx="148508" cy="152400"/>
+          </a:xfrm>
+          <a:prstGeom prst="ellipse">
+            <a:avLst/>
+          </a:prstGeom>
+          <a:solidFill>
+            <a:schemeClr val="bg1"/>
+          </a:solidFill>
+          <a:ln>
+            <a:solidFill>
+              <a:schemeClr val="tx1"/>
+            </a:solidFill>
+          </a:ln>
+        </p:spPr>
+        <p:style>
+          <a:lnRef idx="2">
+            <a:schemeClr val="accent1">
+              <a:shade val="50000"/>
+            </a:schemeClr>
+          </a:lnRef>
+          <a:fillRef idx="1">
+            <a:schemeClr val="accent1"/>
+          </a:fillRef>
+          <a:effectRef idx="0">
+            <a:schemeClr val="accent1"/>
+          </a:effectRef>
+          <a:fontRef idx="minor">
+            <a:schemeClr val="lt1"/>
+          </a:fontRef>
+        </p:style>
+        <p:txBody>
+          <a:bodyPr rtlCol="0" anchor="ctr"/>
+          <a:lstStyle/>
+          <a:p>
+            <a:pPr algn="ctr"/>
+            <a:endParaRPr kumimoji="1" lang="ja-JP" altLang="en-US"/>
+          </a:p>
+        </p:txBody>
+      </p:sp>
+      <p:sp>
+        <p:nvSpPr>
+          <p:cNvPr id="6" name="楕円 5">
+            <a:extLst>
+              <a:ext uri="{FF2B5EF4-FFF2-40B4-BE49-F238E27FC236}">
+                <a16:creationId xmlns:a16="http://schemas.microsoft.com/office/drawing/2014/main" id="{D422FC9B-A71B-71C5-03E1-3477216ECD03}"/>
+              </a:ext>
+            </a:extLst>
+          </p:cNvPr>
+          <p:cNvSpPr/>
+          <p:nvPr/>
+        </p:nvSpPr>
+        <p:spPr>
+          <a:xfrm>
+            <a:off x="5693492" y="2700865"/>
+            <a:ext cx="148508" cy="152400"/>
+          </a:xfrm>
+          <a:prstGeom prst="ellipse">
+            <a:avLst/>
+          </a:prstGeom>
+          <a:solidFill>
+            <a:schemeClr val="bg1"/>
+          </a:solidFill>
+          <a:ln>
+            <a:solidFill>
+              <a:schemeClr val="tx1"/>
+            </a:solidFill>
+          </a:ln>
+        </p:spPr>
+        <p:style>
+          <a:lnRef idx="2">
+            <a:schemeClr val="accent1">
+              <a:shade val="50000"/>
+            </a:schemeClr>
+          </a:lnRef>
+          <a:fillRef idx="1">
+            <a:schemeClr val="accent1"/>
+          </a:fillRef>
+          <a:effectRef idx="0">
+            <a:schemeClr val="accent1"/>
+          </a:effectRef>
+          <a:fontRef idx="minor">
+            <a:schemeClr val="lt1"/>
+          </a:fontRef>
+        </p:style>
+        <p:txBody>
+          <a:bodyPr rtlCol="0" anchor="ctr"/>
+          <a:lstStyle/>
+          <a:p>
+            <a:pPr algn="ctr"/>
+            <a:endParaRPr kumimoji="1" lang="ja-JP" altLang="en-US"/>
+          </a:p>
+        </p:txBody>
+      </p:sp>
+      <p:cxnSp>
+        <p:nvCxnSpPr>
+          <p:cNvPr id="8" name="直線矢印コネクタ 7">
+            <a:extLst>
+              <a:ext uri="{FF2B5EF4-FFF2-40B4-BE49-F238E27FC236}">
+                <a16:creationId xmlns:a16="http://schemas.microsoft.com/office/drawing/2014/main" id="{E23FEB67-850C-3434-2AA2-D61AB3445A5F}"/>
+              </a:ext>
+            </a:extLst>
+          </p:cNvPr>
+          <p:cNvCxnSpPr>
+            <a:cxnSpLocks/>
+            <a:stCxn id="4" idx="5"/>
+            <a:endCxn id="5" idx="1"/>
+          </p:cNvCxnSpPr>
+          <p:nvPr/>
+        </p:nvCxnSpPr>
+        <p:spPr>
+          <a:xfrm rot="16200000" flipH="1">
+            <a:off x="2081133" y="2657031"/>
+            <a:ext cx="523546" cy="871377"/>
+          </a:xfrm>
+          <a:prstGeom prst="curvedConnector2">
+            <a:avLst/>
+          </a:prstGeom>
+          <a:ln w="19050">
+            <a:solidFill>
+              <a:schemeClr val="tx1"/>
+            </a:solidFill>
+            <a:tailEnd type="arrow" w="lg" len="sm"/>
+          </a:ln>
+        </p:spPr>
+        <p:style>
+          <a:lnRef idx="1">
+            <a:schemeClr val="accent1"/>
+          </a:lnRef>
+          <a:fillRef idx="0">
+            <a:schemeClr val="accent1"/>
+          </a:fillRef>
+          <a:effectRef idx="0">
+            <a:schemeClr val="accent1"/>
+          </a:effectRef>
+          <a:fontRef idx="minor">
+            <a:schemeClr val="tx1"/>
+          </a:fontRef>
+        </p:style>
+      </p:cxnSp>
+      <p:cxnSp>
+        <p:nvCxnSpPr>
+          <p:cNvPr id="11" name="直線矢印コネクタ 10">
+            <a:extLst>
+              <a:ext uri="{FF2B5EF4-FFF2-40B4-BE49-F238E27FC236}">
+                <a16:creationId xmlns:a16="http://schemas.microsoft.com/office/drawing/2014/main" id="{9092F99D-9530-01F6-607C-551506EF66DD}"/>
+              </a:ext>
+            </a:extLst>
+          </p:cNvPr>
+          <p:cNvCxnSpPr>
+            <a:cxnSpLocks/>
+            <a:stCxn id="5" idx="3"/>
+            <a:endCxn id="6" idx="3"/>
+          </p:cNvCxnSpPr>
+          <p:nvPr/>
+        </p:nvCxnSpPr>
+        <p:spPr>
+          <a:xfrm flipV="1">
+            <a:off x="4931860" y="2830947"/>
+            <a:ext cx="783380" cy="523546"/>
+          </a:xfrm>
+          <a:prstGeom prst="curvedConnector2">
+            <a:avLst/>
+          </a:prstGeom>
+          <a:ln w="19050">
+            <a:solidFill>
+              <a:schemeClr val="tx1"/>
+            </a:solidFill>
+            <a:tailEnd type="arrow" w="lg" len="sm"/>
+          </a:ln>
+        </p:spPr>
+        <p:style>
+          <a:lnRef idx="1">
+            <a:schemeClr val="accent1"/>
+          </a:lnRef>
+          <a:fillRef idx="0">
+            <a:schemeClr val="accent1"/>
+          </a:fillRef>
+          <a:effectRef idx="0">
+            <a:schemeClr val="accent1"/>
+          </a:effectRef>
+          <a:fontRef idx="minor">
+            <a:schemeClr val="tx1"/>
+          </a:fontRef>
+        </p:style>
+      </p:cxnSp>
+      <p:cxnSp>
+        <p:nvCxnSpPr>
+          <p:cNvPr id="16" name="直線矢印コネクタ 15">
+            <a:extLst>
+              <a:ext uri="{FF2B5EF4-FFF2-40B4-BE49-F238E27FC236}">
+                <a16:creationId xmlns:a16="http://schemas.microsoft.com/office/drawing/2014/main" id="{32E56C2B-F8A7-9F67-AFBF-E4CB5AF355BB}"/>
+              </a:ext>
+            </a:extLst>
+          </p:cNvPr>
+          <p:cNvCxnSpPr>
+            <a:cxnSpLocks/>
+            <a:stCxn id="13" idx="3"/>
+            <a:endCxn id="6" idx="1"/>
+          </p:cNvCxnSpPr>
+          <p:nvPr/>
+        </p:nvCxnSpPr>
+        <p:spPr>
+          <a:xfrm>
+            <a:off x="4931860" y="2218266"/>
+            <a:ext cx="783380" cy="504917"/>
+          </a:xfrm>
+          <a:prstGeom prst="curvedConnector2">
+            <a:avLst/>
+          </a:prstGeom>
+          <a:ln w="19050">
+            <a:solidFill>
+              <a:schemeClr val="tx1"/>
+            </a:solidFill>
+            <a:tailEnd type="arrow" w="lg" len="sm"/>
+          </a:ln>
+        </p:spPr>
+        <p:style>
+          <a:lnRef idx="1">
+            <a:schemeClr val="accent1"/>
+          </a:lnRef>
+          <a:fillRef idx="0">
+            <a:schemeClr val="accent1"/>
+          </a:fillRef>
+          <a:effectRef idx="0">
+            <a:schemeClr val="accent1"/>
+          </a:effectRef>
+          <a:fontRef idx="minor">
+            <a:schemeClr val="tx1"/>
+          </a:fontRef>
+        </p:style>
+      </p:cxnSp>
+      <p:grpSp>
+        <p:nvGrpSpPr>
+          <p:cNvPr id="24" name="グループ化 23">
+            <a:extLst>
+              <a:ext uri="{FF2B5EF4-FFF2-40B4-BE49-F238E27FC236}">
+                <a16:creationId xmlns:a16="http://schemas.microsoft.com/office/drawing/2014/main" id="{75FAF934-D11F-B20F-22E0-55FA88D987D6}"/>
+              </a:ext>
+            </a:extLst>
+          </p:cNvPr>
+          <p:cNvGrpSpPr/>
+          <p:nvPr/>
+        </p:nvGrpSpPr>
+        <p:grpSpPr>
+          <a:xfrm>
+            <a:off x="2778595" y="2897293"/>
+            <a:ext cx="2153265" cy="914400"/>
+            <a:chOff x="2778595" y="3048000"/>
+            <a:chExt cx="2153265" cy="914400"/>
+          </a:xfrm>
+        </p:grpSpPr>
+        <p:sp>
+          <p:nvSpPr>
+            <p:cNvPr id="5" name="四角形: 角を丸くする 4">
+              <a:extLst>
+                <a:ext uri="{FF2B5EF4-FFF2-40B4-BE49-F238E27FC236}">
+                  <a16:creationId xmlns:a16="http://schemas.microsoft.com/office/drawing/2014/main" id="{0716A5B5-1DA0-C242-A9D0-91EA8009BF7D}"/>
+                </a:ext>
+              </a:extLst>
+            </p:cNvPr>
+            <p:cNvSpPr/>
+            <p:nvPr/>
+          </p:nvSpPr>
+          <p:spPr>
+            <a:xfrm>
+              <a:off x="2778595" y="3048000"/>
+              <a:ext cx="2153265" cy="914400"/>
+            </a:xfrm>
+            <a:prstGeom prst="roundRect">
+              <a:avLst>
+                <a:gd name="adj" fmla="val 50000"/>
+              </a:avLst>
+            </a:prstGeom>
+            <a:solidFill>
+              <a:schemeClr val="bg1"/>
+            </a:solidFill>
+            <a:ln>
+              <a:solidFill>
+                <a:schemeClr val="tx1"/>
+              </a:solidFill>
+            </a:ln>
+          </p:spPr>
+          <p:style>
+            <a:lnRef idx="2">
+              <a:schemeClr val="accent1">
+                <a:shade val="50000"/>
+              </a:schemeClr>
+            </a:lnRef>
+            <a:fillRef idx="1">
+              <a:schemeClr val="accent1"/>
+            </a:fillRef>
+            <a:effectRef idx="0">
+              <a:schemeClr val="accent1"/>
+            </a:effectRef>
+            <a:fontRef idx="minor">
+              <a:schemeClr val="lt1"/>
+            </a:fontRef>
+          </p:style>
+          <p:txBody>
+            <a:bodyPr rtlCol="0" anchor="ctr"/>
+            <a:lstStyle/>
+            <a:p>
+              <a:pPr algn="ctr"/>
+              <a:r>
+                <a:rPr lang="en-US" altLang="ja-JP" sz="3600" dirty="0">
+                  <a:solidFill>
+                    <a:schemeClr val="tx1"/>
+                  </a:solidFill>
+                </a:rPr>
+                <a:t>1</a:t>
+              </a:r>
+              <a:r>
+                <a:rPr kumimoji="1" lang="ja-JP" altLang="en-US" sz="3600" dirty="0">
+                  <a:solidFill>
+                    <a:schemeClr val="tx1"/>
+                  </a:solidFill>
+                </a:rPr>
+                <a:t>～</a:t>
+              </a:r>
+              <a:r>
+                <a:rPr kumimoji="1" lang="en-US" altLang="ja-JP" sz="3600" dirty="0">
+                  <a:solidFill>
+                    <a:schemeClr val="tx1"/>
+                  </a:solidFill>
+                </a:rPr>
+                <a:t>9</a:t>
+              </a:r>
+              <a:endParaRPr kumimoji="1" lang="ja-JP" altLang="en-US" sz="3600" dirty="0">
+                <a:solidFill>
+                  <a:schemeClr val="tx1"/>
+                </a:solidFill>
+              </a:endParaRPr>
+            </a:p>
+          </p:txBody>
+        </p:sp>
+        <p:sp>
+          <p:nvSpPr>
+            <p:cNvPr id="20" name="楕円 19">
+              <a:extLst>
+                <a:ext uri="{FF2B5EF4-FFF2-40B4-BE49-F238E27FC236}">
+                  <a16:creationId xmlns:a16="http://schemas.microsoft.com/office/drawing/2014/main" id="{D46BBBEC-ACFB-9FD3-1BE6-2D89F018285F}"/>
+                </a:ext>
+              </a:extLst>
+            </p:cNvPr>
+            <p:cNvSpPr/>
+            <p:nvPr/>
+          </p:nvSpPr>
+          <p:spPr>
+            <a:xfrm>
+              <a:off x="4017460" y="3048000"/>
+              <a:ext cx="914400" cy="914400"/>
+            </a:xfrm>
+            <a:prstGeom prst="ellipse">
+              <a:avLst/>
+            </a:prstGeom>
+            <a:noFill/>
+            <a:ln>
+              <a:noFill/>
+            </a:ln>
+          </p:spPr>
+          <p:style>
+            <a:lnRef idx="2">
+              <a:schemeClr val="accent1">
+                <a:shade val="50000"/>
+              </a:schemeClr>
+            </a:lnRef>
+            <a:fillRef idx="1">
+              <a:schemeClr val="accent1"/>
+            </a:fillRef>
+            <a:effectRef idx="0">
+              <a:schemeClr val="accent1"/>
+            </a:effectRef>
+            <a:fontRef idx="minor">
+              <a:schemeClr val="lt1"/>
+            </a:fontRef>
+          </p:style>
+          <p:txBody>
+            <a:bodyPr rtlCol="0" anchor="ctr"/>
+            <a:lstStyle/>
+            <a:p>
+              <a:pPr algn="ctr"/>
+              <a:endParaRPr kumimoji="1" lang="ja-JP" altLang="en-US"/>
+            </a:p>
+          </p:txBody>
+        </p:sp>
+      </p:grpSp>
+      <p:grpSp>
+        <p:nvGrpSpPr>
+          <p:cNvPr id="12" name="グループ化 11">
+            <a:extLst>
+              <a:ext uri="{FF2B5EF4-FFF2-40B4-BE49-F238E27FC236}">
+                <a16:creationId xmlns:a16="http://schemas.microsoft.com/office/drawing/2014/main" id="{89293688-3D77-6EA6-498F-9703BF5E9E1A}"/>
+              </a:ext>
+            </a:extLst>
+          </p:cNvPr>
+          <p:cNvGrpSpPr/>
+          <p:nvPr/>
+        </p:nvGrpSpPr>
+        <p:grpSpPr>
+          <a:xfrm>
+            <a:off x="2778595" y="1761066"/>
+            <a:ext cx="2153265" cy="914400"/>
+            <a:chOff x="2778595" y="3048000"/>
+            <a:chExt cx="2153265" cy="914400"/>
+          </a:xfrm>
+        </p:grpSpPr>
+        <p:sp>
+          <p:nvSpPr>
+            <p:cNvPr id="13" name="四角形: 角を丸くする 12">
+              <a:extLst>
+                <a:ext uri="{FF2B5EF4-FFF2-40B4-BE49-F238E27FC236}">
+                  <a16:creationId xmlns:a16="http://schemas.microsoft.com/office/drawing/2014/main" id="{CA570426-8E13-345D-4040-90AEF0C9595F}"/>
+                </a:ext>
+              </a:extLst>
+            </p:cNvPr>
+            <p:cNvSpPr/>
+            <p:nvPr/>
+          </p:nvSpPr>
+          <p:spPr>
+            <a:xfrm>
+              <a:off x="2778595" y="3048000"/>
+              <a:ext cx="2153265" cy="914400"/>
+            </a:xfrm>
+            <a:prstGeom prst="roundRect">
+              <a:avLst>
+                <a:gd name="adj" fmla="val 50000"/>
+              </a:avLst>
+            </a:prstGeom>
+            <a:solidFill>
+              <a:schemeClr val="bg1"/>
+            </a:solidFill>
+            <a:ln>
+              <a:solidFill>
+                <a:schemeClr val="tx1"/>
+              </a:solidFill>
+            </a:ln>
+          </p:spPr>
+          <p:style>
+            <a:lnRef idx="2">
+              <a:schemeClr val="accent1">
+                <a:shade val="50000"/>
+              </a:schemeClr>
+            </a:lnRef>
+            <a:fillRef idx="1">
+              <a:schemeClr val="accent1"/>
+            </a:fillRef>
+            <a:effectRef idx="0">
+              <a:schemeClr val="accent1"/>
+            </a:effectRef>
+            <a:fontRef idx="minor">
+              <a:schemeClr val="lt1"/>
+            </a:fontRef>
+          </p:style>
+          <p:txBody>
+            <a:bodyPr rtlCol="0" anchor="ctr"/>
+            <a:lstStyle/>
+            <a:p>
+              <a:pPr algn="ctr"/>
+              <a:r>
+                <a:rPr kumimoji="1" lang="en-US" altLang="ja-JP" sz="3600" dirty="0">
+                  <a:solidFill>
+                    <a:schemeClr val="tx1"/>
+                  </a:solidFill>
+                </a:rPr>
+                <a:t>0</a:t>
+              </a:r>
+              <a:endParaRPr kumimoji="1" lang="ja-JP" altLang="en-US" sz="3600" dirty="0">
+                <a:solidFill>
+                  <a:schemeClr val="tx1"/>
+                </a:solidFill>
+              </a:endParaRPr>
+            </a:p>
+          </p:txBody>
+        </p:sp>
+        <p:sp>
+          <p:nvSpPr>
+            <p:cNvPr id="14" name="楕円 13">
+              <a:extLst>
+                <a:ext uri="{FF2B5EF4-FFF2-40B4-BE49-F238E27FC236}">
+                  <a16:creationId xmlns:a16="http://schemas.microsoft.com/office/drawing/2014/main" id="{EC6FF49A-2527-69FA-EBDD-B8A43C57906B}"/>
+                </a:ext>
+              </a:extLst>
+            </p:cNvPr>
+            <p:cNvSpPr/>
+            <p:nvPr/>
+          </p:nvSpPr>
+          <p:spPr>
+            <a:xfrm>
+              <a:off x="4017460" y="3048000"/>
+              <a:ext cx="914400" cy="914400"/>
+            </a:xfrm>
+            <a:prstGeom prst="ellipse">
+              <a:avLst/>
+            </a:prstGeom>
+            <a:noFill/>
+            <a:ln>
+              <a:noFill/>
+            </a:ln>
+          </p:spPr>
+          <p:style>
+            <a:lnRef idx="2">
+              <a:schemeClr val="accent1">
+                <a:shade val="50000"/>
+              </a:schemeClr>
+            </a:lnRef>
+            <a:fillRef idx="1">
+              <a:schemeClr val="accent1"/>
+            </a:fillRef>
+            <a:effectRef idx="0">
+              <a:schemeClr val="accent1"/>
+            </a:effectRef>
+            <a:fontRef idx="minor">
+              <a:schemeClr val="lt1"/>
+            </a:fontRef>
+          </p:style>
+          <p:txBody>
+            <a:bodyPr rtlCol="0" anchor="ctr"/>
+            <a:lstStyle/>
+            <a:p>
+              <a:pPr algn="ctr"/>
+              <a:endParaRPr kumimoji="1" lang="ja-JP" altLang="en-US"/>
+            </a:p>
+          </p:txBody>
+        </p:sp>
+      </p:grpSp>
+      <p:cxnSp>
+        <p:nvCxnSpPr>
+          <p:cNvPr id="15" name="直線矢印コネクタ 7">
+            <a:extLst>
+              <a:ext uri="{FF2B5EF4-FFF2-40B4-BE49-F238E27FC236}">
+                <a16:creationId xmlns:a16="http://schemas.microsoft.com/office/drawing/2014/main" id="{B344FB1A-CF22-D60D-F487-B57BF81C0081}"/>
+              </a:ext>
+            </a:extLst>
+          </p:cNvPr>
+          <p:cNvCxnSpPr>
+            <a:cxnSpLocks/>
+            <a:stCxn id="4" idx="7"/>
+            <a:endCxn id="13" idx="1"/>
+          </p:cNvCxnSpPr>
+          <p:nvPr/>
+        </p:nvCxnSpPr>
+        <p:spPr>
+          <a:xfrm rot="5400000" flipH="1" flipV="1">
+            <a:off x="2090448" y="2035037"/>
+            <a:ext cx="504917" cy="871377"/>
+          </a:xfrm>
+          <a:prstGeom prst="curvedConnector2">
+            <a:avLst/>
+          </a:prstGeom>
+          <a:ln w="19050">
+            <a:solidFill>
+              <a:schemeClr val="tx1"/>
+            </a:solidFill>
+            <a:tailEnd type="arrow" w="lg" len="sm"/>
+          </a:ln>
+        </p:spPr>
+        <p:style>
+          <a:lnRef idx="1">
+            <a:schemeClr val="accent1"/>
+          </a:lnRef>
+          <a:fillRef idx="0">
+            <a:schemeClr val="accent1"/>
+          </a:fillRef>
+          <a:effectRef idx="0">
+            <a:schemeClr val="accent1"/>
+          </a:effectRef>
+          <a:fontRef idx="minor">
+            <a:schemeClr val="tx1"/>
+          </a:fontRef>
+        </p:style>
+      </p:cxnSp>
+    </p:spTree>
+    <p:extLst>
+      <p:ext uri="{BB962C8B-B14F-4D97-AF65-F5344CB8AC3E}">
+        <p14:creationId xmlns:p14="http://schemas.microsoft.com/office/powerpoint/2010/main" val="3977699525"/>
+      </p:ext>
+    </p:extLst>
+  </p:cSld>
+  <p:clrMapOvr>
+    <a:masterClrMapping/>
+  </p:clrMapOvr>
+</p:sld>
+</file>
+
+<file path=ppt/slides/slide3.xml><?xml version="1.0" encoding="utf-8"?>
+<p:sld xmlns:a="http://schemas.openxmlformats.org/drawingml/2006/main" xmlns:r="http://schemas.openxmlformats.org/officeDocument/2006/relationships" xmlns:p="http://schemas.openxmlformats.org/presentationml/2006/main">
+  <p:cSld>
+    <p:spTree>
+      <p:nvGrpSpPr>
+        <p:cNvPr id="1" name=""/>
+        <p:cNvGrpSpPr/>
+        <p:nvPr/>
+      </p:nvGrpSpPr>
+      <p:grpSpPr>
+        <a:xfrm>
+          <a:off x="0" y="0"/>
+          <a:ext cx="0" cy="0"/>
+          <a:chOff x="0" y="0"/>
+          <a:chExt cx="0" cy="0"/>
+        </a:xfrm>
+      </p:grpSpPr>
+      <p:sp>
+        <p:nvSpPr>
+          <p:cNvPr id="4" name="楕円 3">
+            <a:extLst>
+              <a:ext uri="{FF2B5EF4-FFF2-40B4-BE49-F238E27FC236}">
+                <a16:creationId xmlns:a16="http://schemas.microsoft.com/office/drawing/2014/main" id="{7BA49D9F-9C2F-9E2A-DEBB-4E0645F8840F}"/>
+              </a:ext>
+            </a:extLst>
+          </p:cNvPr>
+          <p:cNvSpPr/>
+          <p:nvPr/>
+        </p:nvSpPr>
+        <p:spPr>
+          <a:xfrm>
+            <a:off x="1780458" y="2700865"/>
+            <a:ext cx="148508" cy="152400"/>
+          </a:xfrm>
+          <a:prstGeom prst="ellipse">
+            <a:avLst/>
+          </a:prstGeom>
+          <a:solidFill>
+            <a:schemeClr val="bg1"/>
+          </a:solidFill>
+          <a:ln>
+            <a:solidFill>
+              <a:schemeClr val="tx1"/>
+            </a:solidFill>
+          </a:ln>
+        </p:spPr>
+        <p:style>
+          <a:lnRef idx="2">
+            <a:schemeClr val="accent1">
+              <a:shade val="50000"/>
+            </a:schemeClr>
+          </a:lnRef>
+          <a:fillRef idx="1">
+            <a:schemeClr val="accent1"/>
+          </a:fillRef>
+          <a:effectRef idx="0">
+            <a:schemeClr val="accent1"/>
+          </a:effectRef>
+          <a:fontRef idx="minor">
+            <a:schemeClr val="lt1"/>
+          </a:fontRef>
+        </p:style>
+        <p:txBody>
+          <a:bodyPr rtlCol="0" anchor="ctr"/>
+          <a:lstStyle/>
+          <a:p>
+            <a:pPr algn="ctr"/>
+            <a:endParaRPr kumimoji="1" lang="ja-JP" altLang="en-US"/>
+          </a:p>
+        </p:txBody>
+      </p:sp>
+      <p:cxnSp>
+        <p:nvCxnSpPr>
+          <p:cNvPr id="8" name="直線矢印コネクタ 7">
+            <a:extLst>
+              <a:ext uri="{FF2B5EF4-FFF2-40B4-BE49-F238E27FC236}">
+                <a16:creationId xmlns:a16="http://schemas.microsoft.com/office/drawing/2014/main" id="{E23FEB67-850C-3434-2AA2-D61AB3445A5F}"/>
+              </a:ext>
+            </a:extLst>
+          </p:cNvPr>
+          <p:cNvCxnSpPr>
+            <a:cxnSpLocks/>
+            <a:stCxn id="4" idx="5"/>
+            <a:endCxn id="5" idx="1"/>
+          </p:cNvCxnSpPr>
+          <p:nvPr/>
+        </p:nvCxnSpPr>
+        <p:spPr>
+          <a:xfrm>
+            <a:off x="1907218" y="2830947"/>
+            <a:ext cx="871377" cy="523546"/>
+          </a:xfrm>
+          <a:prstGeom prst="straightConnector1">
+            <a:avLst/>
+          </a:prstGeom>
+          <a:ln w="19050">
+            <a:solidFill>
+              <a:schemeClr val="tx1"/>
+            </a:solidFill>
+            <a:tailEnd type="arrow" w="lg" len="sm"/>
+          </a:ln>
+        </p:spPr>
+        <p:style>
+          <a:lnRef idx="1">
+            <a:schemeClr val="accent1"/>
+          </a:lnRef>
+          <a:fillRef idx="0">
+            <a:schemeClr val="accent1"/>
+          </a:fillRef>
+          <a:effectRef idx="0">
+            <a:schemeClr val="accent1"/>
+          </a:effectRef>
+          <a:fontRef idx="minor">
+            <a:schemeClr val="tx1"/>
+          </a:fontRef>
+        </p:style>
+      </p:cxnSp>
+      <p:cxnSp>
+        <p:nvCxnSpPr>
+          <p:cNvPr id="11" name="直線矢印コネクタ 10">
+            <a:extLst>
+              <a:ext uri="{FF2B5EF4-FFF2-40B4-BE49-F238E27FC236}">
+                <a16:creationId xmlns:a16="http://schemas.microsoft.com/office/drawing/2014/main" id="{9092F99D-9530-01F6-607C-551506EF66DD}"/>
+              </a:ext>
+            </a:extLst>
+          </p:cNvPr>
+          <p:cNvCxnSpPr>
+            <a:cxnSpLocks/>
+            <a:stCxn id="5" idx="3"/>
+            <a:endCxn id="21" idx="2"/>
+          </p:cNvCxnSpPr>
+          <p:nvPr/>
+        </p:nvCxnSpPr>
+        <p:spPr>
+          <a:xfrm>
+            <a:off x="4931860" y="3354493"/>
+            <a:ext cx="459143" cy="3387"/>
+          </a:xfrm>
+          <a:prstGeom prst="straightConnector1">
+            <a:avLst/>
+          </a:prstGeom>
+          <a:ln w="19050">
+            <a:solidFill>
+              <a:schemeClr val="tx1"/>
+            </a:solidFill>
+            <a:tailEnd type="arrow" w="lg" len="sm"/>
+          </a:ln>
+        </p:spPr>
+        <p:style>
+          <a:lnRef idx="1">
+            <a:schemeClr val="accent1"/>
+          </a:lnRef>
+          <a:fillRef idx="0">
+            <a:schemeClr val="accent1"/>
+          </a:fillRef>
+          <a:effectRef idx="0">
+            <a:schemeClr val="accent1"/>
+          </a:effectRef>
+          <a:fontRef idx="minor">
+            <a:schemeClr val="tx1"/>
+          </a:fontRef>
+        </p:style>
+      </p:cxnSp>
+      <p:cxnSp>
+        <p:nvCxnSpPr>
+          <p:cNvPr id="16" name="直線矢印コネクタ 15">
+            <a:extLst>
+              <a:ext uri="{FF2B5EF4-FFF2-40B4-BE49-F238E27FC236}">
+                <a16:creationId xmlns:a16="http://schemas.microsoft.com/office/drawing/2014/main" id="{32E56C2B-F8A7-9F67-AFBF-E4CB5AF355BB}"/>
+              </a:ext>
+            </a:extLst>
+          </p:cNvPr>
+          <p:cNvCxnSpPr>
+            <a:cxnSpLocks/>
+            <a:stCxn id="13" idx="3"/>
+            <a:endCxn id="28" idx="1"/>
+          </p:cNvCxnSpPr>
+          <p:nvPr/>
+        </p:nvCxnSpPr>
+        <p:spPr>
+          <a:xfrm>
+            <a:off x="4931860" y="2218266"/>
+            <a:ext cx="3886824" cy="435759"/>
+          </a:xfrm>
+          <a:prstGeom prst="straightConnector1">
+            <a:avLst/>
+          </a:prstGeom>
+          <a:ln w="19050">
+            <a:solidFill>
+              <a:schemeClr val="tx1"/>
+            </a:solidFill>
+            <a:tailEnd type="arrow" w="lg" len="sm"/>
+          </a:ln>
+        </p:spPr>
+        <p:style>
+          <a:lnRef idx="1">
+            <a:schemeClr val="accent1"/>
+          </a:lnRef>
+          <a:fillRef idx="0">
+            <a:schemeClr val="accent1"/>
+          </a:fillRef>
+          <a:effectRef idx="0">
+            <a:schemeClr val="accent1"/>
+          </a:effectRef>
+          <a:fontRef idx="minor">
+            <a:schemeClr val="tx1"/>
+          </a:fontRef>
+        </p:style>
+      </p:cxnSp>
+      <p:grpSp>
+        <p:nvGrpSpPr>
+          <p:cNvPr id="24" name="グループ化 23">
+            <a:extLst>
+              <a:ext uri="{FF2B5EF4-FFF2-40B4-BE49-F238E27FC236}">
+                <a16:creationId xmlns:a16="http://schemas.microsoft.com/office/drawing/2014/main" id="{75FAF934-D11F-B20F-22E0-55FA88D987D6}"/>
+              </a:ext>
+            </a:extLst>
+          </p:cNvPr>
+          <p:cNvGrpSpPr/>
+          <p:nvPr/>
+        </p:nvGrpSpPr>
+        <p:grpSpPr>
+          <a:xfrm>
+            <a:off x="2778595" y="2897293"/>
+            <a:ext cx="2153265" cy="914400"/>
+            <a:chOff x="2778595" y="3048000"/>
+            <a:chExt cx="2153265" cy="914400"/>
+          </a:xfrm>
+        </p:grpSpPr>
+        <p:sp>
+          <p:nvSpPr>
+            <p:cNvPr id="5" name="四角形: 角を丸くする 4">
+              <a:extLst>
+                <a:ext uri="{FF2B5EF4-FFF2-40B4-BE49-F238E27FC236}">
+                  <a16:creationId xmlns:a16="http://schemas.microsoft.com/office/drawing/2014/main" id="{0716A5B5-1DA0-C242-A9D0-91EA8009BF7D}"/>
+                </a:ext>
+              </a:extLst>
+            </p:cNvPr>
+            <p:cNvSpPr/>
+            <p:nvPr/>
+          </p:nvSpPr>
+          <p:spPr>
+            <a:xfrm>
+              <a:off x="2778595" y="3048000"/>
+              <a:ext cx="2153265" cy="914400"/>
+            </a:xfrm>
+            <a:prstGeom prst="roundRect">
+              <a:avLst>
+                <a:gd name="adj" fmla="val 50000"/>
+              </a:avLst>
+            </a:prstGeom>
+            <a:solidFill>
+              <a:schemeClr val="bg1"/>
+            </a:solidFill>
+            <a:ln>
+              <a:solidFill>
+                <a:schemeClr val="tx1"/>
+              </a:solidFill>
+            </a:ln>
+          </p:spPr>
+          <p:style>
+            <a:lnRef idx="2">
+              <a:schemeClr val="accent1">
+                <a:shade val="50000"/>
+              </a:schemeClr>
+            </a:lnRef>
+            <a:fillRef idx="1">
+              <a:schemeClr val="accent1"/>
+            </a:fillRef>
+            <a:effectRef idx="0">
+              <a:schemeClr val="accent1"/>
+            </a:effectRef>
+            <a:fontRef idx="minor">
+              <a:schemeClr val="lt1"/>
+            </a:fontRef>
+          </p:style>
+          <p:txBody>
+            <a:bodyPr rtlCol="0" anchor="ctr"/>
+            <a:lstStyle/>
+            <a:p>
+              <a:pPr algn="ctr"/>
+              <a:r>
+                <a:rPr lang="en-US" altLang="ja-JP" sz="3600" dirty="0">
+                  <a:solidFill>
+                    <a:schemeClr val="tx1"/>
+                  </a:solidFill>
+                </a:rPr>
+                <a:t>1</a:t>
+              </a:r>
+              <a:r>
+                <a:rPr kumimoji="1" lang="ja-JP" altLang="en-US" sz="3600" dirty="0">
+                  <a:solidFill>
+                    <a:schemeClr val="tx1"/>
+                  </a:solidFill>
+                </a:rPr>
+                <a:t>～</a:t>
+              </a:r>
+              <a:r>
+                <a:rPr kumimoji="1" lang="en-US" altLang="ja-JP" sz="3600" dirty="0">
+                  <a:solidFill>
+                    <a:schemeClr val="tx1"/>
+                  </a:solidFill>
+                </a:rPr>
+                <a:t>9</a:t>
+              </a:r>
+              <a:endParaRPr kumimoji="1" lang="ja-JP" altLang="en-US" sz="3600" dirty="0">
+                <a:solidFill>
+                  <a:schemeClr val="tx1"/>
+                </a:solidFill>
+              </a:endParaRPr>
+            </a:p>
+          </p:txBody>
+        </p:sp>
+        <p:sp>
+          <p:nvSpPr>
+            <p:cNvPr id="20" name="楕円 19">
+              <a:extLst>
+                <a:ext uri="{FF2B5EF4-FFF2-40B4-BE49-F238E27FC236}">
+                  <a16:creationId xmlns:a16="http://schemas.microsoft.com/office/drawing/2014/main" id="{D46BBBEC-ACFB-9FD3-1BE6-2D89F018285F}"/>
+                </a:ext>
+              </a:extLst>
+            </p:cNvPr>
+            <p:cNvSpPr/>
+            <p:nvPr/>
+          </p:nvSpPr>
+          <p:spPr>
+            <a:xfrm>
+              <a:off x="4017460" y="3048000"/>
+              <a:ext cx="914400" cy="914400"/>
+            </a:xfrm>
+            <a:prstGeom prst="ellipse">
+              <a:avLst/>
+            </a:prstGeom>
+            <a:noFill/>
+            <a:ln>
+              <a:noFill/>
+            </a:ln>
+          </p:spPr>
+          <p:style>
+            <a:lnRef idx="2">
+              <a:schemeClr val="accent1">
+                <a:shade val="50000"/>
+              </a:schemeClr>
+            </a:lnRef>
+            <a:fillRef idx="1">
+              <a:schemeClr val="accent1"/>
+            </a:fillRef>
+            <a:effectRef idx="0">
+              <a:schemeClr val="accent1"/>
+            </a:effectRef>
+            <a:fontRef idx="minor">
+              <a:schemeClr val="lt1"/>
+            </a:fontRef>
+          </p:style>
+          <p:txBody>
+            <a:bodyPr rtlCol="0" anchor="ctr"/>
+            <a:lstStyle/>
+            <a:p>
+              <a:pPr algn="ctr"/>
+              <a:endParaRPr kumimoji="1" lang="ja-JP" altLang="en-US"/>
+            </a:p>
+          </p:txBody>
+        </p:sp>
+      </p:grpSp>
+      <p:grpSp>
+        <p:nvGrpSpPr>
+          <p:cNvPr id="12" name="グループ化 11">
+            <a:extLst>
+              <a:ext uri="{FF2B5EF4-FFF2-40B4-BE49-F238E27FC236}">
+                <a16:creationId xmlns:a16="http://schemas.microsoft.com/office/drawing/2014/main" id="{89293688-3D77-6EA6-498F-9703BF5E9E1A}"/>
+              </a:ext>
+            </a:extLst>
+          </p:cNvPr>
+          <p:cNvGrpSpPr/>
+          <p:nvPr/>
+        </p:nvGrpSpPr>
+        <p:grpSpPr>
+          <a:xfrm>
+            <a:off x="2778595" y="1761066"/>
+            <a:ext cx="2153265" cy="914400"/>
+            <a:chOff x="2778595" y="3048000"/>
+            <a:chExt cx="2153265" cy="914400"/>
+          </a:xfrm>
+        </p:grpSpPr>
+        <p:sp>
+          <p:nvSpPr>
+            <p:cNvPr id="13" name="四角形: 角を丸くする 12">
+              <a:extLst>
+                <a:ext uri="{FF2B5EF4-FFF2-40B4-BE49-F238E27FC236}">
+                  <a16:creationId xmlns:a16="http://schemas.microsoft.com/office/drawing/2014/main" id="{CA570426-8E13-345D-4040-90AEF0C9595F}"/>
+                </a:ext>
+              </a:extLst>
+            </p:cNvPr>
+            <p:cNvSpPr/>
+            <p:nvPr/>
+          </p:nvSpPr>
+          <p:spPr>
+            <a:xfrm>
+              <a:off x="2778595" y="3048000"/>
+              <a:ext cx="2153265" cy="914400"/>
+            </a:xfrm>
+            <a:prstGeom prst="roundRect">
+              <a:avLst>
+                <a:gd name="adj" fmla="val 50000"/>
+              </a:avLst>
+            </a:prstGeom>
+            <a:solidFill>
+              <a:schemeClr val="bg1"/>
+            </a:solidFill>
+            <a:ln>
+              <a:solidFill>
+                <a:schemeClr val="tx1"/>
+              </a:solidFill>
+            </a:ln>
+          </p:spPr>
+          <p:style>
+            <a:lnRef idx="2">
+              <a:schemeClr val="accent1">
+                <a:shade val="50000"/>
+              </a:schemeClr>
+            </a:lnRef>
+            <a:fillRef idx="1">
+              <a:schemeClr val="accent1"/>
+            </a:fillRef>
+            <a:effectRef idx="0">
+              <a:schemeClr val="accent1"/>
+            </a:effectRef>
+            <a:fontRef idx="minor">
+              <a:schemeClr val="lt1"/>
+            </a:fontRef>
+          </p:style>
+          <p:txBody>
+            <a:bodyPr rtlCol="0" anchor="ctr"/>
+            <a:lstStyle/>
+            <a:p>
+              <a:pPr algn="ctr"/>
+              <a:r>
+                <a:rPr kumimoji="1" lang="en-US" altLang="ja-JP" sz="3600" dirty="0">
+                  <a:solidFill>
+                    <a:schemeClr val="tx1"/>
+                  </a:solidFill>
+                </a:rPr>
+                <a:t>0</a:t>
+              </a:r>
+              <a:endParaRPr kumimoji="1" lang="ja-JP" altLang="en-US" sz="3600" dirty="0">
+                <a:solidFill>
+                  <a:schemeClr val="tx1"/>
+                </a:solidFill>
+              </a:endParaRPr>
+            </a:p>
+          </p:txBody>
+        </p:sp>
+        <p:sp>
+          <p:nvSpPr>
+            <p:cNvPr id="14" name="楕円 13">
+              <a:extLst>
+                <a:ext uri="{FF2B5EF4-FFF2-40B4-BE49-F238E27FC236}">
+                  <a16:creationId xmlns:a16="http://schemas.microsoft.com/office/drawing/2014/main" id="{EC6FF49A-2527-69FA-EBDD-B8A43C57906B}"/>
+                </a:ext>
+              </a:extLst>
+            </p:cNvPr>
+            <p:cNvSpPr/>
+            <p:nvPr/>
+          </p:nvSpPr>
+          <p:spPr>
+            <a:xfrm>
+              <a:off x="4017460" y="3048000"/>
+              <a:ext cx="914400" cy="914400"/>
+            </a:xfrm>
+            <a:prstGeom prst="ellipse">
+              <a:avLst/>
+            </a:prstGeom>
+            <a:noFill/>
+            <a:ln>
+              <a:noFill/>
+            </a:ln>
+          </p:spPr>
+          <p:style>
+            <a:lnRef idx="2">
+              <a:schemeClr val="accent1">
+                <a:shade val="50000"/>
+              </a:schemeClr>
+            </a:lnRef>
+            <a:fillRef idx="1">
+              <a:schemeClr val="accent1"/>
+            </a:fillRef>
+            <a:effectRef idx="0">
+              <a:schemeClr val="accent1"/>
+            </a:effectRef>
+            <a:fontRef idx="minor">
+              <a:schemeClr val="lt1"/>
+            </a:fontRef>
+          </p:style>
+          <p:txBody>
+            <a:bodyPr rtlCol="0" anchor="ctr"/>
+            <a:lstStyle/>
+            <a:p>
+              <a:pPr algn="ctr"/>
+              <a:endParaRPr kumimoji="1" lang="ja-JP" altLang="en-US"/>
+            </a:p>
+          </p:txBody>
+        </p:sp>
+      </p:grpSp>
+      <p:cxnSp>
+        <p:nvCxnSpPr>
+          <p:cNvPr id="15" name="直線矢印コネクタ 7">
+            <a:extLst>
+              <a:ext uri="{FF2B5EF4-FFF2-40B4-BE49-F238E27FC236}">
+                <a16:creationId xmlns:a16="http://schemas.microsoft.com/office/drawing/2014/main" id="{B344FB1A-CF22-D60D-F487-B57BF81C0081}"/>
+              </a:ext>
+            </a:extLst>
+          </p:cNvPr>
+          <p:cNvCxnSpPr>
+            <a:cxnSpLocks/>
+            <a:stCxn id="4" idx="7"/>
+            <a:endCxn id="13" idx="1"/>
+          </p:cNvCxnSpPr>
+          <p:nvPr/>
+        </p:nvCxnSpPr>
+        <p:spPr>
+          <a:xfrm flipV="1">
+            <a:off x="1907218" y="2218266"/>
+            <a:ext cx="871377" cy="504917"/>
+          </a:xfrm>
+          <a:prstGeom prst="straightConnector1">
+            <a:avLst/>
+          </a:prstGeom>
+          <a:ln w="19050">
+            <a:solidFill>
+              <a:schemeClr val="tx1"/>
+            </a:solidFill>
+            <a:tailEnd type="arrow" w="lg" len="sm"/>
+          </a:ln>
+        </p:spPr>
+        <p:style>
+          <a:lnRef idx="1">
+            <a:schemeClr val="accent1"/>
+          </a:lnRef>
+          <a:fillRef idx="0">
+            <a:schemeClr val="accent1"/>
+          </a:fillRef>
+          <a:effectRef idx="0">
+            <a:schemeClr val="accent1"/>
+          </a:effectRef>
+          <a:fontRef idx="minor">
+            <a:schemeClr val="tx1"/>
+          </a:fontRef>
+        </p:style>
+      </p:cxnSp>
+      <p:grpSp>
+        <p:nvGrpSpPr>
+          <p:cNvPr id="17" name="グループ化 16">
+            <a:extLst>
+              <a:ext uri="{FF2B5EF4-FFF2-40B4-BE49-F238E27FC236}">
+                <a16:creationId xmlns:a16="http://schemas.microsoft.com/office/drawing/2014/main" id="{9F2A4A33-6440-07A6-E41A-977C0C55D2B6}"/>
+              </a:ext>
+            </a:extLst>
+          </p:cNvPr>
+          <p:cNvGrpSpPr/>
+          <p:nvPr/>
+        </p:nvGrpSpPr>
+        <p:grpSpPr>
+          <a:xfrm>
+            <a:off x="6096000" y="3409950"/>
+            <a:ext cx="2153265" cy="914400"/>
+            <a:chOff x="2778595" y="3048000"/>
+            <a:chExt cx="2153265" cy="914400"/>
+          </a:xfrm>
+        </p:grpSpPr>
+        <p:sp>
+          <p:nvSpPr>
+            <p:cNvPr id="18" name="四角形: 角を丸くする 17">
+              <a:extLst>
+                <a:ext uri="{FF2B5EF4-FFF2-40B4-BE49-F238E27FC236}">
+                  <a16:creationId xmlns:a16="http://schemas.microsoft.com/office/drawing/2014/main" id="{07226C27-66A9-2183-4DA3-85257C6B8FE3}"/>
+                </a:ext>
+              </a:extLst>
+            </p:cNvPr>
+            <p:cNvSpPr/>
+            <p:nvPr/>
+          </p:nvSpPr>
+          <p:spPr>
+            <a:xfrm>
+              <a:off x="2778595" y="3048000"/>
+              <a:ext cx="2153265" cy="914400"/>
+            </a:xfrm>
+            <a:prstGeom prst="roundRect">
+              <a:avLst>
+                <a:gd name="adj" fmla="val 50000"/>
+              </a:avLst>
+            </a:prstGeom>
+            <a:solidFill>
+              <a:schemeClr val="bg1"/>
+            </a:solidFill>
+            <a:ln>
+              <a:solidFill>
+                <a:schemeClr val="tx1"/>
+              </a:solidFill>
+            </a:ln>
+          </p:spPr>
+          <p:style>
+            <a:lnRef idx="2">
+              <a:schemeClr val="accent1">
+                <a:shade val="50000"/>
+              </a:schemeClr>
+            </a:lnRef>
+            <a:fillRef idx="1">
+              <a:schemeClr val="accent1"/>
+            </a:fillRef>
+            <a:effectRef idx="0">
+              <a:schemeClr val="accent1"/>
+            </a:effectRef>
+            <a:fontRef idx="minor">
+              <a:schemeClr val="lt1"/>
+            </a:fontRef>
+          </p:style>
+          <p:txBody>
+            <a:bodyPr rtlCol="0" anchor="ctr"/>
+            <a:lstStyle/>
+            <a:p>
+              <a:pPr algn="ctr"/>
+              <a:r>
+                <a:rPr kumimoji="1" lang="en-US" altLang="ja-JP" sz="3600" dirty="0">
+                  <a:solidFill>
+                    <a:schemeClr val="tx1"/>
+                  </a:solidFill>
+                </a:rPr>
+                <a:t>0</a:t>
+              </a:r>
+              <a:r>
+                <a:rPr kumimoji="1" lang="ja-JP" altLang="en-US" sz="3600" dirty="0">
+                  <a:solidFill>
+                    <a:schemeClr val="tx1"/>
+                  </a:solidFill>
+                </a:rPr>
+                <a:t>～</a:t>
+              </a:r>
+              <a:r>
+                <a:rPr kumimoji="1" lang="en-US" altLang="ja-JP" sz="3600" dirty="0">
+                  <a:solidFill>
+                    <a:schemeClr val="tx1"/>
+                  </a:solidFill>
+                </a:rPr>
+                <a:t>9</a:t>
+              </a:r>
+              <a:endParaRPr kumimoji="1" lang="ja-JP" altLang="en-US" sz="3600" dirty="0">
+                <a:solidFill>
+                  <a:schemeClr val="tx1"/>
+                </a:solidFill>
+              </a:endParaRPr>
+            </a:p>
+          </p:txBody>
+        </p:sp>
+        <p:sp>
+          <p:nvSpPr>
+            <p:cNvPr id="19" name="楕円 18">
+              <a:extLst>
+                <a:ext uri="{FF2B5EF4-FFF2-40B4-BE49-F238E27FC236}">
+                  <a16:creationId xmlns:a16="http://schemas.microsoft.com/office/drawing/2014/main" id="{3FA6A40D-1270-E5EC-A05F-46A63DC59681}"/>
+                </a:ext>
+              </a:extLst>
+            </p:cNvPr>
+            <p:cNvSpPr/>
+            <p:nvPr/>
+          </p:nvSpPr>
+          <p:spPr>
+            <a:xfrm>
+              <a:off x="4017460" y="3048000"/>
+              <a:ext cx="914400" cy="914400"/>
+            </a:xfrm>
+            <a:prstGeom prst="ellipse">
+              <a:avLst/>
+            </a:prstGeom>
+            <a:noFill/>
+            <a:ln>
+              <a:noFill/>
+            </a:ln>
+          </p:spPr>
+          <p:style>
+            <a:lnRef idx="2">
+              <a:schemeClr val="accent1">
+                <a:shade val="50000"/>
+              </a:schemeClr>
+            </a:lnRef>
+            <a:fillRef idx="1">
+              <a:schemeClr val="accent1"/>
+            </a:fillRef>
+            <a:effectRef idx="0">
+              <a:schemeClr val="accent1"/>
+            </a:effectRef>
+            <a:fontRef idx="minor">
+              <a:schemeClr val="lt1"/>
+            </a:fontRef>
+          </p:style>
+          <p:txBody>
+            <a:bodyPr rtlCol="0" anchor="ctr"/>
+            <a:lstStyle/>
+            <a:p>
+              <a:pPr algn="ctr"/>
+              <a:endParaRPr kumimoji="1" lang="ja-JP" altLang="en-US"/>
+            </a:p>
+          </p:txBody>
+        </p:sp>
+      </p:grpSp>
+      <p:sp>
+        <p:nvSpPr>
+          <p:cNvPr id="21" name="楕円 20">
+            <a:extLst>
+              <a:ext uri="{FF2B5EF4-FFF2-40B4-BE49-F238E27FC236}">
+                <a16:creationId xmlns:a16="http://schemas.microsoft.com/office/drawing/2014/main" id="{D9F0D220-48B9-FA3B-0565-313054F4881F}"/>
+              </a:ext>
+            </a:extLst>
+          </p:cNvPr>
+          <p:cNvSpPr/>
+          <p:nvPr/>
+        </p:nvSpPr>
+        <p:spPr>
+          <a:xfrm>
+            <a:off x="5391003" y="3281680"/>
+            <a:ext cx="148508" cy="152400"/>
+          </a:xfrm>
+          <a:prstGeom prst="ellipse">
+            <a:avLst/>
+          </a:prstGeom>
+          <a:solidFill>
+            <a:schemeClr val="bg1"/>
+          </a:solidFill>
+          <a:ln>
+            <a:solidFill>
+              <a:schemeClr val="tx1"/>
+            </a:solidFill>
+          </a:ln>
+        </p:spPr>
+        <p:style>
+          <a:lnRef idx="2">
+            <a:schemeClr val="accent1">
+              <a:shade val="50000"/>
+            </a:schemeClr>
+          </a:lnRef>
+          <a:fillRef idx="1">
+            <a:schemeClr val="accent1"/>
+          </a:fillRef>
+          <a:effectRef idx="0">
+            <a:schemeClr val="accent1"/>
+          </a:effectRef>
+          <a:fontRef idx="minor">
+            <a:schemeClr val="lt1"/>
+          </a:fontRef>
+        </p:style>
+        <p:txBody>
+          <a:bodyPr rtlCol="0" anchor="ctr"/>
+          <a:lstStyle/>
+          <a:p>
+            <a:pPr algn="ctr"/>
+            <a:endParaRPr kumimoji="1" lang="ja-JP" altLang="en-US"/>
+          </a:p>
+        </p:txBody>
+      </p:sp>
+      <p:cxnSp>
+        <p:nvCxnSpPr>
+          <p:cNvPr id="22" name="直線矢印コネクタ 7">
+            <a:extLst>
+              <a:ext uri="{FF2B5EF4-FFF2-40B4-BE49-F238E27FC236}">
+                <a16:creationId xmlns:a16="http://schemas.microsoft.com/office/drawing/2014/main" id="{3B754A8B-66DF-8BCA-ACCE-C66B9AD1FA04}"/>
+              </a:ext>
+            </a:extLst>
+          </p:cNvPr>
+          <p:cNvCxnSpPr>
+            <a:cxnSpLocks/>
+            <a:stCxn id="21" idx="5"/>
+            <a:endCxn id="18" idx="1"/>
+          </p:cNvCxnSpPr>
+          <p:nvPr/>
+        </p:nvCxnSpPr>
+        <p:spPr>
+          <a:xfrm>
+            <a:off x="5517763" y="3411762"/>
+            <a:ext cx="578237" cy="455388"/>
+          </a:xfrm>
+          <a:prstGeom prst="straightConnector1">
+            <a:avLst/>
+          </a:prstGeom>
+          <a:ln w="19050">
+            <a:solidFill>
+              <a:schemeClr val="tx1"/>
+            </a:solidFill>
+            <a:tailEnd type="arrow" w="lg" len="sm"/>
+          </a:ln>
+        </p:spPr>
+        <p:style>
+          <a:lnRef idx="1">
+            <a:schemeClr val="accent1"/>
+          </a:lnRef>
+          <a:fillRef idx="0">
+            <a:schemeClr val="accent1"/>
+          </a:fillRef>
+          <a:effectRef idx="0">
+            <a:schemeClr val="accent1"/>
+          </a:effectRef>
+          <a:fontRef idx="minor">
+            <a:schemeClr val="tx1"/>
+          </a:fontRef>
+        </p:style>
+      </p:cxnSp>
+      <p:cxnSp>
+        <p:nvCxnSpPr>
+          <p:cNvPr id="25" name="直線矢印コネクタ 7">
+            <a:extLst>
+              <a:ext uri="{FF2B5EF4-FFF2-40B4-BE49-F238E27FC236}">
+                <a16:creationId xmlns:a16="http://schemas.microsoft.com/office/drawing/2014/main" id="{12E34AF4-237A-C0E3-9927-F5B97BEDD291}"/>
+              </a:ext>
+            </a:extLst>
+          </p:cNvPr>
+          <p:cNvCxnSpPr>
+            <a:cxnSpLocks/>
+            <a:stCxn id="19" idx="6"/>
+            <a:endCxn id="19" idx="4"/>
+          </p:cNvCxnSpPr>
+          <p:nvPr/>
+        </p:nvCxnSpPr>
+        <p:spPr>
+          <a:xfrm flipH="1">
+            <a:off x="7792065" y="3867150"/>
+            <a:ext cx="457200" cy="457200"/>
+          </a:xfrm>
+          <a:prstGeom prst="curvedConnector4">
+            <a:avLst>
+              <a:gd name="adj1" fmla="val -50000"/>
+              <a:gd name="adj2" fmla="val 150000"/>
+            </a:avLst>
+          </a:prstGeom>
+          <a:ln w="19050">
+            <a:solidFill>
+              <a:schemeClr val="tx1"/>
+            </a:solidFill>
+            <a:tailEnd type="arrow" w="lg" len="sm"/>
+          </a:ln>
+        </p:spPr>
+        <p:style>
+          <a:lnRef idx="1">
+            <a:schemeClr val="accent1"/>
+          </a:lnRef>
+          <a:fillRef idx="0">
+            <a:schemeClr val="accent1"/>
+          </a:fillRef>
+          <a:effectRef idx="0">
+            <a:schemeClr val="accent1"/>
+          </a:effectRef>
+          <a:fontRef idx="minor">
+            <a:schemeClr val="tx1"/>
+          </a:fontRef>
+        </p:style>
+      </p:cxnSp>
+      <p:sp>
+        <p:nvSpPr>
+          <p:cNvPr id="28" name="楕円 27">
+            <a:extLst>
+              <a:ext uri="{FF2B5EF4-FFF2-40B4-BE49-F238E27FC236}">
+                <a16:creationId xmlns:a16="http://schemas.microsoft.com/office/drawing/2014/main" id="{2CA954D0-7DEB-246A-C0E4-737289DCEB58}"/>
+              </a:ext>
+            </a:extLst>
+          </p:cNvPr>
+          <p:cNvSpPr/>
+          <p:nvPr/>
+        </p:nvSpPr>
+        <p:spPr>
+          <a:xfrm>
+            <a:off x="8796936" y="2631707"/>
+            <a:ext cx="148508" cy="152400"/>
+          </a:xfrm>
+          <a:prstGeom prst="ellipse">
+            <a:avLst/>
+          </a:prstGeom>
+          <a:solidFill>
+            <a:schemeClr val="bg1"/>
+          </a:solidFill>
+          <a:ln>
+            <a:solidFill>
+              <a:schemeClr val="tx1"/>
+            </a:solidFill>
+          </a:ln>
+        </p:spPr>
+        <p:style>
+          <a:lnRef idx="2">
+            <a:schemeClr val="accent1">
+              <a:shade val="50000"/>
+            </a:schemeClr>
+          </a:lnRef>
+          <a:fillRef idx="1">
+            <a:schemeClr val="accent1"/>
+          </a:fillRef>
+          <a:effectRef idx="0">
+            <a:schemeClr val="accent1"/>
+          </a:effectRef>
+          <a:fontRef idx="minor">
+            <a:schemeClr val="lt1"/>
+          </a:fontRef>
+        </p:style>
+        <p:txBody>
+          <a:bodyPr rtlCol="0" anchor="ctr"/>
+          <a:lstStyle/>
+          <a:p>
+            <a:pPr algn="ctr"/>
+            <a:endParaRPr kumimoji="1" lang="ja-JP" altLang="en-US"/>
+          </a:p>
+        </p:txBody>
+      </p:sp>
+      <p:cxnSp>
+        <p:nvCxnSpPr>
+          <p:cNvPr id="29" name="直線矢印コネクタ 7">
+            <a:extLst>
+              <a:ext uri="{FF2B5EF4-FFF2-40B4-BE49-F238E27FC236}">
+                <a16:creationId xmlns:a16="http://schemas.microsoft.com/office/drawing/2014/main" id="{DFC10C22-C288-41D6-5994-98AE92E57897}"/>
+              </a:ext>
+            </a:extLst>
+          </p:cNvPr>
+          <p:cNvCxnSpPr>
+            <a:cxnSpLocks/>
+            <a:stCxn id="19" idx="7"/>
+            <a:endCxn id="28" idx="3"/>
+          </p:cNvCxnSpPr>
+          <p:nvPr/>
+        </p:nvCxnSpPr>
+        <p:spPr>
+          <a:xfrm flipV="1">
+            <a:off x="8115354" y="2761789"/>
+            <a:ext cx="703330" cy="782072"/>
+          </a:xfrm>
+          <a:prstGeom prst="straightConnector1">
+            <a:avLst/>
+          </a:prstGeom>
+          <a:ln w="19050">
+            <a:solidFill>
+              <a:schemeClr val="tx1"/>
+            </a:solidFill>
+            <a:tailEnd type="arrow" w="lg" len="sm"/>
+          </a:ln>
+        </p:spPr>
+        <p:style>
+          <a:lnRef idx="1">
+            <a:schemeClr val="accent1"/>
+          </a:lnRef>
+          <a:fillRef idx="0">
+            <a:schemeClr val="accent1"/>
+          </a:fillRef>
+          <a:effectRef idx="0">
+            <a:schemeClr val="accent1"/>
+          </a:effectRef>
+          <a:fontRef idx="minor">
+            <a:schemeClr val="tx1"/>
+          </a:fontRef>
+        </p:style>
+      </p:cxnSp>
+      <p:cxnSp>
+        <p:nvCxnSpPr>
+          <p:cNvPr id="32" name="直線矢印コネクタ 31">
+            <a:extLst>
+              <a:ext uri="{FF2B5EF4-FFF2-40B4-BE49-F238E27FC236}">
+                <a16:creationId xmlns:a16="http://schemas.microsoft.com/office/drawing/2014/main" id="{97C7023C-9A7B-C12A-2CC8-07B141058E23}"/>
+              </a:ext>
+            </a:extLst>
+          </p:cNvPr>
+          <p:cNvCxnSpPr>
+            <a:cxnSpLocks/>
+            <a:stCxn id="21" idx="7"/>
+            <a:endCxn id="28" idx="2"/>
+          </p:cNvCxnSpPr>
+          <p:nvPr/>
+        </p:nvCxnSpPr>
+        <p:spPr>
+          <a:xfrm flipV="1">
+            <a:off x="5517763" y="2707907"/>
+            <a:ext cx="3279173" cy="596091"/>
+          </a:xfrm>
+          <a:prstGeom prst="straightConnector1">
+            <a:avLst/>
+          </a:prstGeom>
+          <a:ln w="19050">
+            <a:solidFill>
+              <a:schemeClr val="tx1"/>
+            </a:solidFill>
+            <a:tailEnd type="arrow" w="lg" len="sm"/>
+          </a:ln>
+        </p:spPr>
+        <p:style>
+          <a:lnRef idx="1">
+            <a:schemeClr val="accent1"/>
+          </a:lnRef>
+          <a:fillRef idx="0">
+            <a:schemeClr val="accent1"/>
+          </a:fillRef>
+          <a:effectRef idx="0">
+            <a:schemeClr val="accent1"/>
+          </a:effectRef>
+          <a:fontRef idx="minor">
+            <a:schemeClr val="tx1"/>
+          </a:fontRef>
+        </p:style>
+      </p:cxnSp>
+    </p:spTree>
+    <p:extLst>
+      <p:ext uri="{BB962C8B-B14F-4D97-AF65-F5344CB8AC3E}">
+        <p14:creationId xmlns:p14="http://schemas.microsoft.com/office/powerpoint/2010/main" val="1175163264"/>
       </p:ext>
     </p:extLst>
   </p:cSld>

--- a/step/01.01_plan_break_up_string/式の構造.pptx
+++ b/step/01.01_plan_break_up_string/式の構造.pptx
@@ -261,7 +261,7 @@
           <a:p>
             <a:fld id="{EC070247-2280-4A68-8B12-19214B36A904}" type="datetimeFigureOut">
               <a:rPr kumimoji="1" lang="ja-JP" altLang="en-US" smtClean="0"/>
-              <a:t>2022/6/19</a:t>
+              <a:t>2022/6/20</a:t>
             </a:fld>
             <a:endParaRPr kumimoji="1" lang="ja-JP" altLang="en-US"/>
           </a:p>
@@ -491,7 +491,7 @@
           <a:p>
             <a:fld id="{EC070247-2280-4A68-8B12-19214B36A904}" type="datetimeFigureOut">
               <a:rPr kumimoji="1" lang="ja-JP" altLang="en-US" smtClean="0"/>
-              <a:t>2022/6/19</a:t>
+              <a:t>2022/6/20</a:t>
             </a:fld>
             <a:endParaRPr kumimoji="1" lang="ja-JP" altLang="en-US"/>
           </a:p>
@@ -731,7 +731,7 @@
           <a:p>
             <a:fld id="{EC070247-2280-4A68-8B12-19214B36A904}" type="datetimeFigureOut">
               <a:rPr kumimoji="1" lang="ja-JP" altLang="en-US" smtClean="0"/>
-              <a:t>2022/6/19</a:t>
+              <a:t>2022/6/20</a:t>
             </a:fld>
             <a:endParaRPr kumimoji="1" lang="ja-JP" altLang="en-US"/>
           </a:p>
@@ -961,7 +961,7 @@
           <a:p>
             <a:fld id="{EC070247-2280-4A68-8B12-19214B36A904}" type="datetimeFigureOut">
               <a:rPr kumimoji="1" lang="ja-JP" altLang="en-US" smtClean="0"/>
-              <a:t>2022/6/19</a:t>
+              <a:t>2022/6/20</a:t>
             </a:fld>
             <a:endParaRPr kumimoji="1" lang="ja-JP" altLang="en-US"/>
           </a:p>
@@ -1236,7 +1236,7 @@
           <a:p>
             <a:fld id="{EC070247-2280-4A68-8B12-19214B36A904}" type="datetimeFigureOut">
               <a:rPr kumimoji="1" lang="ja-JP" altLang="en-US" smtClean="0"/>
-              <a:t>2022/6/19</a:t>
+              <a:t>2022/6/20</a:t>
             </a:fld>
             <a:endParaRPr kumimoji="1" lang="ja-JP" altLang="en-US"/>
           </a:p>
@@ -1565,7 +1565,7 @@
           <a:p>
             <a:fld id="{EC070247-2280-4A68-8B12-19214B36A904}" type="datetimeFigureOut">
               <a:rPr kumimoji="1" lang="ja-JP" altLang="en-US" smtClean="0"/>
-              <a:t>2022/6/19</a:t>
+              <a:t>2022/6/20</a:t>
             </a:fld>
             <a:endParaRPr kumimoji="1" lang="ja-JP" altLang="en-US"/>
           </a:p>
@@ -2041,7 +2041,7 @@
           <a:p>
             <a:fld id="{EC070247-2280-4A68-8B12-19214B36A904}" type="datetimeFigureOut">
               <a:rPr kumimoji="1" lang="ja-JP" altLang="en-US" smtClean="0"/>
-              <a:t>2022/6/19</a:t>
+              <a:t>2022/6/20</a:t>
             </a:fld>
             <a:endParaRPr kumimoji="1" lang="ja-JP" altLang="en-US"/>
           </a:p>
@@ -2182,7 +2182,7 @@
           <a:p>
             <a:fld id="{EC070247-2280-4A68-8B12-19214B36A904}" type="datetimeFigureOut">
               <a:rPr kumimoji="1" lang="ja-JP" altLang="en-US" smtClean="0"/>
-              <a:t>2022/6/19</a:t>
+              <a:t>2022/6/20</a:t>
             </a:fld>
             <a:endParaRPr kumimoji="1" lang="ja-JP" altLang="en-US"/>
           </a:p>
@@ -2295,7 +2295,7 @@
           <a:p>
             <a:fld id="{EC070247-2280-4A68-8B12-19214B36A904}" type="datetimeFigureOut">
               <a:rPr kumimoji="1" lang="ja-JP" altLang="en-US" smtClean="0"/>
-              <a:t>2022/6/19</a:t>
+              <a:t>2022/6/20</a:t>
             </a:fld>
             <a:endParaRPr kumimoji="1" lang="ja-JP" altLang="en-US"/>
           </a:p>
@@ -2638,7 +2638,7 @@
           <a:p>
             <a:fld id="{EC070247-2280-4A68-8B12-19214B36A904}" type="datetimeFigureOut">
               <a:rPr kumimoji="1" lang="ja-JP" altLang="en-US" smtClean="0"/>
-              <a:t>2022/6/19</a:t>
+              <a:t>2022/6/20</a:t>
             </a:fld>
             <a:endParaRPr kumimoji="1" lang="ja-JP" altLang="en-US"/>
           </a:p>
@@ -2926,7 +2926,7 @@
           <a:p>
             <a:fld id="{EC070247-2280-4A68-8B12-19214B36A904}" type="datetimeFigureOut">
               <a:rPr kumimoji="1" lang="ja-JP" altLang="en-US" smtClean="0"/>
-              <a:t>2022/6/19</a:t>
+              <a:t>2022/6/20</a:t>
             </a:fld>
             <a:endParaRPr kumimoji="1" lang="ja-JP" altLang="en-US"/>
           </a:p>
@@ -3199,7 +3199,7 @@
           <a:p>
             <a:fld id="{EC070247-2280-4A68-8B12-19214B36A904}" type="datetimeFigureOut">
               <a:rPr kumimoji="1" lang="ja-JP" altLang="en-US" smtClean="0"/>
-              <a:t>2022/6/19</a:t>
+              <a:t>2022/6/20</a:t>
             </a:fld>
             <a:endParaRPr kumimoji="1" lang="ja-JP" altLang="en-US"/>
           </a:p>
@@ -4737,11 +4737,11 @@
           <p:nvPr/>
         </p:nvCxnSpPr>
         <p:spPr>
-          <a:xfrm>
-            <a:off x="1907218" y="2830947"/>
-            <a:ext cx="871377" cy="523546"/>
+          <a:xfrm rot="16200000" flipH="1">
+            <a:off x="2081133" y="2657031"/>
+            <a:ext cx="523546" cy="871377"/>
           </a:xfrm>
-          <a:prstGeom prst="straightConnector1">
+          <a:prstGeom prst="curvedConnector2">
             <a:avLst/>
           </a:prstGeom>
           <a:ln w="19050">
@@ -4824,14 +4824,14 @@
           <p:cNvCxnSpPr>
             <a:cxnSpLocks/>
             <a:stCxn id="13" idx="3"/>
-            <a:endCxn id="28" idx="1"/>
+            <a:endCxn id="23" idx="2"/>
           </p:cNvCxnSpPr>
           <p:nvPr/>
         </p:nvCxnSpPr>
         <p:spPr>
-          <a:xfrm>
-            <a:off x="4931860" y="2218266"/>
-            <a:ext cx="3886824" cy="435759"/>
+          <a:xfrm flipV="1">
+            <a:off x="4931860" y="2188016"/>
+            <a:ext cx="3789833" cy="30250"/>
           </a:xfrm>
           <a:prstGeom prst="straightConnector1">
             <a:avLst/>
@@ -5169,11 +5169,11 @@
           <p:nvPr/>
         </p:nvCxnSpPr>
         <p:spPr>
-          <a:xfrm flipV="1">
-            <a:off x="1907218" y="2218266"/>
-            <a:ext cx="871377" cy="504917"/>
+          <a:xfrm rot="5400000" flipH="1" flipV="1">
+            <a:off x="2090448" y="2035037"/>
+            <a:ext cx="504917" cy="871377"/>
           </a:xfrm>
-          <a:prstGeom prst="straightConnector1">
+          <a:prstGeom prst="curvedConnector2">
             <a:avLst/>
           </a:prstGeom>
           <a:ln w="19050">
@@ -5212,7 +5212,7 @@
         </p:nvGrpSpPr>
         <p:grpSpPr>
           <a:xfrm>
-            <a:off x="6096000" y="3409950"/>
+            <a:off x="6080716" y="3981450"/>
             <a:ext cx="2153265" cy="914400"/>
             <a:chOff x="2778595" y="3048000"/>
             <a:chExt cx="2153265" cy="914400"/>
@@ -5424,11 +5424,11 @@
           <p:nvPr/>
         </p:nvCxnSpPr>
         <p:spPr>
-          <a:xfrm>
-            <a:off x="5517763" y="3411762"/>
-            <a:ext cx="578237" cy="455388"/>
+          <a:xfrm rot="16200000" flipH="1">
+            <a:off x="5285795" y="3643729"/>
+            <a:ext cx="1026888" cy="562953"/>
           </a:xfrm>
-          <a:prstGeom prst="straightConnector1">
+          <a:prstGeom prst="curvedConnector2">
             <a:avLst/>
           </a:prstGeom>
           <a:ln w="19050">
@@ -5464,14 +5464,14 @@
           </p:cNvPr>
           <p:cNvCxnSpPr>
             <a:cxnSpLocks/>
-            <a:stCxn id="19" idx="6"/>
+            <a:stCxn id="18" idx="3"/>
             <a:endCxn id="19" idx="4"/>
           </p:cNvCxnSpPr>
           <p:nvPr/>
         </p:nvCxnSpPr>
         <p:spPr>
           <a:xfrm flipH="1">
-            <a:off x="7792065" y="3867150"/>
+            <a:off x="7776781" y="4438650"/>
             <a:ext cx="457200" cy="457200"/>
           </a:xfrm>
           <a:prstGeom prst="curvedConnector4">
@@ -5516,7 +5516,7 @@
         </p:nvSpPr>
         <p:spPr>
           <a:xfrm>
-            <a:off x="8796936" y="2631707"/>
+            <a:off x="8744117" y="3284524"/>
             <a:ext cx="148508" cy="152400"/>
           </a:xfrm>
           <a:prstGeom prst="ellipse">
@@ -5567,15 +5567,61 @@
           </p:cNvPr>
           <p:cNvCxnSpPr>
             <a:cxnSpLocks/>
-            <a:stCxn id="19" idx="7"/>
+            <a:stCxn id="19" idx="6"/>
             <a:endCxn id="28" idx="3"/>
           </p:cNvCxnSpPr>
           <p:nvPr/>
         </p:nvCxnSpPr>
         <p:spPr>
           <a:xfrm flipV="1">
-            <a:off x="8115354" y="2761789"/>
-            <a:ext cx="703330" cy="782072"/>
+            <a:off x="8233981" y="3414606"/>
+            <a:ext cx="531884" cy="1024044"/>
+          </a:xfrm>
+          <a:prstGeom prst="curvedConnector2">
+            <a:avLst/>
+          </a:prstGeom>
+          <a:ln w="19050">
+            <a:solidFill>
+              <a:schemeClr val="tx1"/>
+            </a:solidFill>
+            <a:tailEnd type="arrow" w="lg" len="sm"/>
+          </a:ln>
+        </p:spPr>
+        <p:style>
+          <a:lnRef idx="1">
+            <a:schemeClr val="accent1"/>
+          </a:lnRef>
+          <a:fillRef idx="0">
+            <a:schemeClr val="accent1"/>
+          </a:fillRef>
+          <a:effectRef idx="0">
+            <a:schemeClr val="accent1"/>
+          </a:effectRef>
+          <a:fontRef idx="minor">
+            <a:schemeClr val="tx1"/>
+          </a:fontRef>
+        </p:style>
+      </p:cxnSp>
+      <p:cxnSp>
+        <p:nvCxnSpPr>
+          <p:cNvPr id="32" name="直線矢印コネクタ 31">
+            <a:extLst>
+              <a:ext uri="{FF2B5EF4-FFF2-40B4-BE49-F238E27FC236}">
+                <a16:creationId xmlns:a16="http://schemas.microsoft.com/office/drawing/2014/main" id="{97C7023C-9A7B-C12A-2CC8-07B141058E23}"/>
+              </a:ext>
+            </a:extLst>
+          </p:cNvPr>
+          <p:cNvCxnSpPr>
+            <a:cxnSpLocks/>
+            <a:stCxn id="21" idx="6"/>
+            <a:endCxn id="28" idx="2"/>
+          </p:cNvCxnSpPr>
+          <p:nvPr/>
+        </p:nvCxnSpPr>
+        <p:spPr>
+          <a:xfrm>
+            <a:off x="5539511" y="3357880"/>
+            <a:ext cx="3204606" cy="2844"/>
           </a:xfrm>
           <a:prstGeom prst="straightConnector1">
             <a:avLst/>
@@ -5602,28 +5648,182 @@
           </a:fontRef>
         </p:style>
       </p:cxnSp>
+      <p:sp>
+        <p:nvSpPr>
+          <p:cNvPr id="23" name="楕円 22">
+            <a:extLst>
+              <a:ext uri="{FF2B5EF4-FFF2-40B4-BE49-F238E27FC236}">
+                <a16:creationId xmlns:a16="http://schemas.microsoft.com/office/drawing/2014/main" id="{1D3ADDF9-1590-4145-D505-A79B3EC26DB5}"/>
+              </a:ext>
+            </a:extLst>
+          </p:cNvPr>
+          <p:cNvSpPr/>
+          <p:nvPr/>
+        </p:nvSpPr>
+        <p:spPr>
+          <a:xfrm>
+            <a:off x="8721693" y="2111816"/>
+            <a:ext cx="148508" cy="152400"/>
+          </a:xfrm>
+          <a:prstGeom prst="ellipse">
+            <a:avLst/>
+          </a:prstGeom>
+          <a:solidFill>
+            <a:schemeClr val="bg1"/>
+          </a:solidFill>
+          <a:ln>
+            <a:solidFill>
+              <a:schemeClr val="tx1"/>
+            </a:solidFill>
+          </a:ln>
+        </p:spPr>
+        <p:style>
+          <a:lnRef idx="2">
+            <a:schemeClr val="accent1">
+              <a:shade val="50000"/>
+            </a:schemeClr>
+          </a:lnRef>
+          <a:fillRef idx="1">
+            <a:schemeClr val="accent1"/>
+          </a:fillRef>
+          <a:effectRef idx="0">
+            <a:schemeClr val="accent1"/>
+          </a:effectRef>
+          <a:fontRef idx="minor">
+            <a:schemeClr val="lt1"/>
+          </a:fontRef>
+        </p:style>
+        <p:txBody>
+          <a:bodyPr rtlCol="0" anchor="ctr"/>
+          <a:lstStyle/>
+          <a:p>
+            <a:pPr algn="ctr"/>
+            <a:endParaRPr kumimoji="1" lang="ja-JP" altLang="en-US"/>
+          </a:p>
+        </p:txBody>
+      </p:sp>
+      <p:sp>
+        <p:nvSpPr>
+          <p:cNvPr id="39" name="楕円 38">
+            <a:extLst>
+              <a:ext uri="{FF2B5EF4-FFF2-40B4-BE49-F238E27FC236}">
+                <a16:creationId xmlns:a16="http://schemas.microsoft.com/office/drawing/2014/main" id="{96B164B9-726D-C1B9-63F8-909D547D3909}"/>
+              </a:ext>
+            </a:extLst>
+          </p:cNvPr>
+          <p:cNvSpPr/>
+          <p:nvPr/>
+        </p:nvSpPr>
+        <p:spPr>
+          <a:xfrm>
+            <a:off x="9682398" y="2624665"/>
+            <a:ext cx="148508" cy="152400"/>
+          </a:xfrm>
+          <a:prstGeom prst="ellipse">
+            <a:avLst/>
+          </a:prstGeom>
+          <a:solidFill>
+            <a:schemeClr val="bg1"/>
+          </a:solidFill>
+          <a:ln>
+            <a:solidFill>
+              <a:schemeClr val="tx1"/>
+            </a:solidFill>
+          </a:ln>
+        </p:spPr>
+        <p:style>
+          <a:lnRef idx="2">
+            <a:schemeClr val="accent1">
+              <a:shade val="50000"/>
+            </a:schemeClr>
+          </a:lnRef>
+          <a:fillRef idx="1">
+            <a:schemeClr val="accent1"/>
+          </a:fillRef>
+          <a:effectRef idx="0">
+            <a:schemeClr val="accent1"/>
+          </a:effectRef>
+          <a:fontRef idx="minor">
+            <a:schemeClr val="lt1"/>
+          </a:fontRef>
+        </p:style>
+        <p:txBody>
+          <a:bodyPr rtlCol="0" anchor="ctr"/>
+          <a:lstStyle/>
+          <a:p>
+            <a:pPr algn="ctr"/>
+            <a:endParaRPr kumimoji="1" lang="ja-JP" altLang="en-US"/>
+          </a:p>
+        </p:txBody>
+      </p:sp>
       <p:cxnSp>
         <p:nvCxnSpPr>
-          <p:cNvPr id="32" name="直線矢印コネクタ 31">
-            <a:extLst>
-              <a:ext uri="{FF2B5EF4-FFF2-40B4-BE49-F238E27FC236}">
-                <a16:creationId xmlns:a16="http://schemas.microsoft.com/office/drawing/2014/main" id="{97C7023C-9A7B-C12A-2CC8-07B141058E23}"/>
+          <p:cNvPr id="40" name="直線矢印コネクタ 7">
+            <a:extLst>
+              <a:ext uri="{FF2B5EF4-FFF2-40B4-BE49-F238E27FC236}">
+                <a16:creationId xmlns:a16="http://schemas.microsoft.com/office/drawing/2014/main" id="{C55BA297-362E-4D32-2C04-C0874B23851E}"/>
               </a:ext>
             </a:extLst>
           </p:cNvPr>
           <p:cNvCxnSpPr>
             <a:cxnSpLocks/>
-            <a:stCxn id="21" idx="7"/>
-            <a:endCxn id="28" idx="2"/>
+            <a:stCxn id="28" idx="6"/>
+            <a:endCxn id="39" idx="3"/>
           </p:cNvCxnSpPr>
           <p:nvPr/>
         </p:nvCxnSpPr>
         <p:spPr>
           <a:xfrm flipV="1">
-            <a:off x="5517763" y="2707907"/>
-            <a:ext cx="3279173" cy="596091"/>
+            <a:off x="8892625" y="2754747"/>
+            <a:ext cx="811521" cy="605977"/>
           </a:xfrm>
-          <a:prstGeom prst="straightConnector1">
+          <a:prstGeom prst="curvedConnector2">
+            <a:avLst/>
+          </a:prstGeom>
+          <a:ln w="19050">
+            <a:solidFill>
+              <a:schemeClr val="tx1"/>
+            </a:solidFill>
+            <a:tailEnd type="arrow" w="lg" len="sm"/>
+          </a:ln>
+        </p:spPr>
+        <p:style>
+          <a:lnRef idx="1">
+            <a:schemeClr val="accent1"/>
+          </a:lnRef>
+          <a:fillRef idx="0">
+            <a:schemeClr val="accent1"/>
+          </a:fillRef>
+          <a:effectRef idx="0">
+            <a:schemeClr val="accent1"/>
+          </a:effectRef>
+          <a:fontRef idx="minor">
+            <a:schemeClr val="tx1"/>
+          </a:fontRef>
+        </p:style>
+      </p:cxnSp>
+      <p:cxnSp>
+        <p:nvCxnSpPr>
+          <p:cNvPr id="43" name="直線矢印コネクタ 7">
+            <a:extLst>
+              <a:ext uri="{FF2B5EF4-FFF2-40B4-BE49-F238E27FC236}">
+                <a16:creationId xmlns:a16="http://schemas.microsoft.com/office/drawing/2014/main" id="{ACEE7B13-88BE-C975-EB8E-6C4FB41292BD}"/>
+              </a:ext>
+            </a:extLst>
+          </p:cNvPr>
+          <p:cNvCxnSpPr>
+            <a:cxnSpLocks/>
+            <a:stCxn id="23" idx="6"/>
+            <a:endCxn id="39" idx="1"/>
+          </p:cNvCxnSpPr>
+          <p:nvPr/>
+        </p:nvCxnSpPr>
+        <p:spPr>
+          <a:xfrm>
+            <a:off x="8870201" y="2188016"/>
+            <a:ext cx="833945" cy="458967"/>
+          </a:xfrm>
+          <a:prstGeom prst="curvedConnector2">
             <a:avLst/>
           </a:prstGeom>
           <a:ln w="19050">
